--- a/Mini_Presentation.pptx
+++ b/Mini_Presentation.pptx
@@ -6184,9 +6184,12 @@
             </a:r>
             <a:r>
               <a:rPr lang="en-US" dirty="0"/>
-              <a:t>rating, hotel unit price, review score, </a:t>
-            </a:r>
-            <a:endParaRPr lang="en-US" dirty="0" smtClean="0"/>
+              <a:t>rating, hotel unit price, review </a:t>
+            </a:r>
+            <a:r>
+              <a:rPr lang="en-US" dirty="0" smtClean="0"/>
+              <a:t>score</a:t>
+            </a:r>
           </a:p>
           <a:p>
             <a:pPr lvl="1"/>
@@ -6665,6 +6668,84 @@
               <a:rPr lang="en-US" altLang="zh-CN" dirty="0" smtClean="0"/>
               <a:t>Regression</a:t>
             </a:r>
+          </a:p>
+          <a:p>
+            <a:pPr lvl="2"/>
+            <a:r>
+              <a:rPr lang="en-US" altLang="zh-CN" dirty="0" smtClean="0"/>
+              <a:t>Create</a:t>
+            </a:r>
+            <a:r>
+              <a:rPr lang="zh-CN" altLang="en-US" dirty="0" smtClean="0"/>
+              <a:t> </a:t>
+            </a:r>
+            <a:r>
+              <a:rPr lang="en-US" altLang="zh-CN" dirty="0" smtClean="0"/>
+              <a:t>balanced</a:t>
+            </a:r>
+            <a:r>
+              <a:rPr lang="zh-CN" altLang="en-US" dirty="0" smtClean="0"/>
+              <a:t> </a:t>
+            </a:r>
+            <a:r>
+              <a:rPr lang="en-US" altLang="zh-CN" dirty="0" smtClean="0"/>
+              <a:t>input</a:t>
+            </a:r>
+            <a:r>
+              <a:rPr lang="zh-CN" altLang="en-US" dirty="0" smtClean="0"/>
+              <a:t> </a:t>
+            </a:r>
+            <a:r>
+              <a:rPr lang="en-US" altLang="zh-CN" dirty="0" smtClean="0"/>
+              <a:t>data</a:t>
+            </a:r>
+            <a:r>
+              <a:rPr lang="zh-CN" altLang="en-US" dirty="0" smtClean="0"/>
+              <a:t> </a:t>
+            </a:r>
+            <a:r>
+              <a:rPr lang="en-US" altLang="zh-CN" dirty="0" smtClean="0"/>
+              <a:t>set</a:t>
+            </a:r>
+          </a:p>
+          <a:p>
+            <a:pPr lvl="2"/>
+            <a:r>
+              <a:rPr lang="en-US" altLang="zh-CN" dirty="0" smtClean="0"/>
+              <a:t>Cross</a:t>
+            </a:r>
+            <a:r>
+              <a:rPr lang="zh-CN" altLang="en-US" dirty="0" smtClean="0"/>
+              <a:t> </a:t>
+            </a:r>
+            <a:r>
+              <a:rPr lang="en-US" altLang="zh-CN" dirty="0" smtClean="0"/>
+              <a:t>validation</a:t>
+            </a:r>
+            <a:r>
+              <a:rPr lang="zh-CN" altLang="en-US" dirty="0" smtClean="0"/>
+              <a:t> </a:t>
+            </a:r>
+            <a:r>
+              <a:rPr lang="en-US" altLang="zh-CN" dirty="0" smtClean="0"/>
+              <a:t>score:</a:t>
+            </a:r>
+            <a:r>
+              <a:rPr lang="zh-CN" altLang="en-US" dirty="0" smtClean="0"/>
+              <a:t> </a:t>
+            </a:r>
+            <a:r>
+              <a:rPr lang="en-US" altLang="zh-CN" dirty="0" err="1" smtClean="0"/>
+              <a:t>avg</a:t>
+            </a:r>
+            <a:r>
+              <a:rPr lang="zh-CN" altLang="en-US" dirty="0" smtClean="0"/>
+              <a:t> </a:t>
+            </a:r>
+            <a:r>
+              <a:rPr lang="en-US" altLang="zh-CN" dirty="0" smtClean="0"/>
+              <a:t>0.58.</a:t>
+            </a:r>
             <a:endParaRPr lang="en-US" altLang="zh-CN" dirty="0" smtClean="0"/>
           </a:p>
         </p:txBody>
@@ -6822,7 +6903,11 @@
           <a:p>
             <a:r>
               <a:rPr lang="en-US" dirty="0" smtClean="0"/>
-              <a:t>Results and next step</a:t>
+              <a:t>next </a:t>
+            </a:r>
+            <a:r>
+              <a:rPr lang="en-US" dirty="0" smtClean="0"/>
+              <a:t>step</a:t>
             </a:r>
             <a:endParaRPr lang="en-US" dirty="0"/>
           </a:p>
@@ -6845,12 +6930,12 @@
           </a:bodyPr>
           <a:lstStyle/>
           <a:p>
-            <a:endParaRPr lang="en-US" dirty="0"/>
-          </a:p>
-          <a:p>
-            <a:r>
-              <a:rPr lang="en-US" altLang="zh-CN" dirty="0" smtClean="0"/>
-              <a:t>GBU</a:t>
+            <a:endParaRPr lang="en-US" dirty="0" smtClean="0"/>
+          </a:p>
+          <a:p>
+            <a:r>
+              <a:rPr lang="en-US" altLang="zh-CN" dirty="0" smtClean="0"/>
+              <a:t>Increase</a:t>
             </a:r>
             <a:r>
               <a:rPr lang="zh-CN" altLang="en-US" dirty="0" smtClean="0"/>
@@ -6859,6 +6944,70 @@
             <a:r>
               <a:rPr lang="en-US" altLang="zh-CN" dirty="0" smtClean="0"/>
               <a:t>prediction</a:t>
+            </a:r>
+            <a:r>
+              <a:rPr lang="zh-CN" altLang="en-US" dirty="0" smtClean="0"/>
+              <a:t> </a:t>
+            </a:r>
+            <a:r>
+              <a:rPr lang="en-US" altLang="zh-CN" dirty="0" smtClean="0"/>
+              <a:t>accuracy</a:t>
+            </a:r>
+            <a:r>
+              <a:rPr lang="zh-CN" altLang="en-US" dirty="0" smtClean="0"/>
+              <a:t> </a:t>
+            </a:r>
+            <a:r>
+              <a:rPr lang="en-US" altLang="zh-CN" dirty="0" smtClean="0"/>
+              <a:t>(for</a:t>
+            </a:r>
+            <a:r>
+              <a:rPr lang="zh-CN" altLang="en-US" dirty="0" smtClean="0"/>
+              <a:t> </a:t>
+            </a:r>
+            <a:r>
+              <a:rPr lang="en-US" altLang="zh-CN" dirty="0" smtClean="0"/>
+              <a:t>booking</a:t>
+            </a:r>
+            <a:r>
+              <a:rPr lang="zh-CN" altLang="en-US" dirty="0" smtClean="0"/>
+              <a:t> </a:t>
+            </a:r>
+            <a:r>
+              <a:rPr lang="en-US" altLang="zh-CN" dirty="0" smtClean="0"/>
+              <a:t>prediction</a:t>
+            </a:r>
+            <a:r>
+              <a:rPr lang="zh-CN" altLang="en-US" dirty="0" smtClean="0"/>
+              <a:t> </a:t>
+            </a:r>
+            <a:r>
+              <a:rPr lang="en-US" altLang="zh-CN" dirty="0" smtClean="0"/>
+              <a:t>and</a:t>
+            </a:r>
+            <a:r>
+              <a:rPr lang="zh-CN" altLang="en-US" dirty="0" smtClean="0"/>
+              <a:t> </a:t>
+            </a:r>
+            <a:r>
+              <a:rPr lang="en-US" altLang="zh-CN" dirty="0" smtClean="0"/>
+              <a:t>booking</a:t>
+            </a:r>
+            <a:r>
+              <a:rPr lang="zh-CN" altLang="en-US" dirty="0" smtClean="0"/>
+              <a:t> </a:t>
+            </a:r>
+            <a:r>
+              <a:rPr lang="en-US" altLang="zh-CN" dirty="0" smtClean="0"/>
+              <a:t>value</a:t>
+            </a:r>
+            <a:r>
+              <a:rPr lang="zh-CN" altLang="en-US" dirty="0" smtClean="0"/>
+              <a:t> </a:t>
+            </a:r>
+            <a:r>
+              <a:rPr lang="en-US" altLang="zh-CN" dirty="0" smtClean="0"/>
+              <a:t>prediction)</a:t>
             </a:r>
             <a:endParaRPr lang="en-US" dirty="0" smtClean="0"/>
           </a:p>
@@ -6893,7 +7042,7 @@
             </a:r>
             <a:r>
               <a:rPr lang="en-US" altLang="zh-CN" dirty="0" smtClean="0"/>
-              <a:t>Engineering</a:t>
+              <a:t>Selection/Engineering</a:t>
             </a:r>
           </a:p>
           <a:p>
@@ -6903,16 +7052,44 @@
               </a:spcBef>
             </a:pPr>
             <a:r>
-              <a:rPr lang="en-US" altLang="zh-CN" dirty="0" smtClean="0"/>
-              <a:t>Random</a:t>
-            </a:r>
-            <a:r>
-              <a:rPr lang="zh-CN" altLang="en-US" dirty="0" smtClean="0"/>
-              <a:t> </a:t>
-            </a:r>
-            <a:r>
-              <a:rPr lang="en-US" altLang="zh-CN" dirty="0" smtClean="0"/>
-              <a:t>Forest</a:t>
+              <a:rPr lang="en-US" altLang="zh-CN" dirty="0"/>
+              <a:t>Advanced</a:t>
+            </a:r>
+            <a:r>
+              <a:rPr lang="zh-CN" altLang="en-US" dirty="0"/>
+              <a:t> </a:t>
+            </a:r>
+            <a:r>
+              <a:rPr lang="en-US" altLang="zh-CN" dirty="0"/>
+              <a:t>Feature</a:t>
+            </a:r>
+            <a:r>
+              <a:rPr lang="zh-CN" altLang="en-US" dirty="0"/>
+              <a:t> </a:t>
+            </a:r>
+            <a:r>
+              <a:rPr lang="en-US" altLang="zh-CN" dirty="0"/>
+              <a:t>Analysis</a:t>
+            </a:r>
+            <a:r>
+              <a:rPr lang="zh-CN" altLang="en-US" dirty="0"/>
+              <a:t> </a:t>
+            </a:r>
+            <a:r>
+              <a:rPr lang="en-US" altLang="zh-CN" dirty="0"/>
+              <a:t>(further</a:t>
+            </a:r>
+            <a:r>
+              <a:rPr lang="zh-CN" altLang="en-US" dirty="0"/>
+              <a:t> </a:t>
+            </a:r>
+            <a:r>
+              <a:rPr lang="en-US" altLang="zh-CN" dirty="0"/>
+              <a:t>research</a:t>
+            </a:r>
+            <a:r>
+              <a:rPr lang="en-US" altLang="zh-CN" dirty="0" smtClean="0"/>
+              <a:t>)</a:t>
             </a:r>
           </a:p>
           <a:p>
@@ -6923,7 +7100,7 @@
             </a:pPr>
             <a:r>
               <a:rPr lang="en-US" altLang="zh-CN" dirty="0" smtClean="0"/>
-              <a:t>Advanced</a:t>
+              <a:t>Random</a:t>
             </a:r>
             <a:r>
               <a:rPr lang="zh-CN" altLang="en-US" dirty="0" smtClean="0"/>
@@ -6931,31 +7108,7 @@
             </a:r>
             <a:r>
               <a:rPr lang="en-US" altLang="zh-CN" dirty="0" smtClean="0"/>
-              <a:t>Feature</a:t>
-            </a:r>
-            <a:r>
-              <a:rPr lang="zh-CN" altLang="en-US" dirty="0" smtClean="0"/>
-              <a:t> </a:t>
-            </a:r>
-            <a:r>
-              <a:rPr lang="en-US" altLang="zh-CN" dirty="0" smtClean="0"/>
-              <a:t>Analysis</a:t>
-            </a:r>
-            <a:r>
-              <a:rPr lang="zh-CN" altLang="en-US" dirty="0" smtClean="0"/>
-              <a:t> </a:t>
-            </a:r>
-            <a:r>
-              <a:rPr lang="en-US" altLang="zh-CN" dirty="0" smtClean="0"/>
-              <a:t>(further</a:t>
-            </a:r>
-            <a:r>
-              <a:rPr lang="zh-CN" altLang="en-US" dirty="0" smtClean="0"/>
-              <a:t> </a:t>
-            </a:r>
-            <a:r>
-              <a:rPr lang="en-US" altLang="zh-CN" dirty="0" smtClean="0"/>
-              <a:t>research)</a:t>
+              <a:t>Forest</a:t>
             </a:r>
           </a:p>
           <a:p>
@@ -6973,19 +7126,10 @@
               <a:t> </a:t>
             </a:r>
             <a:r>
-              <a:rPr lang="en-US" altLang="zh-CN" dirty="0" smtClean="0"/>
+              <a:rPr lang="en-US" altLang="zh-CN" smtClean="0"/>
               <a:t>Normalization</a:t>
             </a:r>
-          </a:p>
-          <a:p>
-            <a:endParaRPr lang="en-US" dirty="0"/>
-          </a:p>
-          <a:p>
-            <a:r>
-              <a:rPr lang="en-US" altLang="zh-CN" dirty="0" smtClean="0"/>
-              <a:t>Visualization</a:t>
-            </a:r>
-            <a:endParaRPr lang="en-US" dirty="0" smtClean="0"/>
+            <a:endParaRPr lang="en-US" altLang="zh-CN" dirty="0" smtClean="0"/>
           </a:p>
         </p:txBody>
       </p:sp>
